--- a/Презентации/3/3.pptx
+++ b/Презентации/3/3.pptx
@@ -145,7 +145,7 @@
   </p:defaultTextStyle>
   <p:extLst>
     <p:ext uri="{EFAFB233-063F-42B5-8137-9DF3F51BA10A}">
-      <p15:sldGuideLst xmlns:p15="http://schemas.microsoft.com/office/powerpoint/2012/main" xmlns=""/>
+      <p15:sldGuideLst xmlns="" xmlns:p15="http://schemas.microsoft.com/office/powerpoint/2012/main"/>
     </p:ext>
   </p:extLst>
 </p:presentation>
@@ -388,25 +388,25 @@
             </c:numRef>
           </c:val>
         </c:ser>
-        <c:axId val="113709824"/>
-        <c:axId val="113711360"/>
+        <c:axId val="154471424"/>
+        <c:axId val="154481408"/>
       </c:barChart>
       <c:catAx>
-        <c:axId val="113709824"/>
+        <c:axId val="154471424"/>
         <c:scaling>
           <c:orientation val="minMax"/>
         </c:scaling>
         <c:axPos val="b"/>
         <c:numFmt formatCode="Основной" sourceLinked="1"/>
         <c:tickLblPos val="nextTo"/>
-        <c:crossAx val="113711360"/>
+        <c:crossAx val="154481408"/>
         <c:crosses val="autoZero"/>
         <c:auto val="1"/>
         <c:lblAlgn val="ctr"/>
         <c:lblOffset val="100"/>
       </c:catAx>
       <c:valAx>
-        <c:axId val="113711360"/>
+        <c:axId val="154481408"/>
         <c:scaling>
           <c:orientation val="minMax"/>
         </c:scaling>
@@ -414,7 +414,7 @@
         <c:majorGridlines/>
         <c:numFmt formatCode="Основной" sourceLinked="1"/>
         <c:tickLblPos val="nextTo"/>
-        <c:crossAx val="113709824"/>
+        <c:crossAx val="154471424"/>
         <c:crosses val="autoZero"/>
         <c:crossBetween val="between"/>
       </c:valAx>
@@ -7045,6 +7045,13 @@
         </dgm:presLayoutVars>
       </dgm:prSet>
       <dgm:spPr/>
+      <dgm:t>
+        <a:bodyPr/>
+        <a:lstStyle/>
+        <a:p>
+          <a:endParaRPr lang="ru-RU"/>
+        </a:p>
+      </dgm:t>
     </dgm:pt>
     <dgm:pt modelId="{9D72EAA3-6B68-4CE9-A2DF-3F7AF4EF06D4}" type="pres">
       <dgm:prSet presAssocID="{8B721CF6-5200-403F-8AFD-A881AB8DAB5A}" presName="circ1" presStyleLbl="vennNode1" presStyleIdx="0" presStyleCnt="4" custLinFactNeighborX="1469" custLinFactNeighborY="14326"/>
@@ -7077,6 +7084,13 @@
     <dgm:pt modelId="{2A60E326-1FB5-4CD1-AB84-24A534B60014}" type="pres">
       <dgm:prSet presAssocID="{A40CFFD5-2680-4E41-A31B-DE304BF44A7B}" presName="circ2" presStyleLbl="vennNode1" presStyleIdx="1" presStyleCnt="4" custScaleX="106730" custLinFactNeighborX="-12122" custLinFactNeighborY="-367"/>
       <dgm:spPr/>
+      <dgm:t>
+        <a:bodyPr/>
+        <a:lstStyle/>
+        <a:p>
+          <a:endParaRPr lang="ru-RU"/>
+        </a:p>
+      </dgm:t>
     </dgm:pt>
     <dgm:pt modelId="{E910B160-A35A-4923-88DB-F54D39DBB6B2}" type="pres">
       <dgm:prSet presAssocID="{A40CFFD5-2680-4E41-A31B-DE304BF44A7B}" presName="circ2Tx" presStyleLbl="revTx" presStyleIdx="0" presStyleCnt="0">
@@ -7087,10 +7101,24 @@
         </dgm:presLayoutVars>
       </dgm:prSet>
       <dgm:spPr/>
+      <dgm:t>
+        <a:bodyPr/>
+        <a:lstStyle/>
+        <a:p>
+          <a:endParaRPr lang="ru-RU"/>
+        </a:p>
+      </dgm:t>
     </dgm:pt>
     <dgm:pt modelId="{C1F6526F-9AE8-4228-9997-E1FD1B5B0F9F}" type="pres">
       <dgm:prSet presAssocID="{C5D0EFA4-0A6A-483A-A79F-8FED9C6D7FF0}" presName="circ3" presStyleLbl="vennNode1" presStyleIdx="2" presStyleCnt="4" custLinFactNeighborX="2571" custLinFactNeighborY="-12489"/>
       <dgm:spPr/>
+      <dgm:t>
+        <a:bodyPr/>
+        <a:lstStyle/>
+        <a:p>
+          <a:endParaRPr lang="ru-RU"/>
+        </a:p>
+      </dgm:t>
     </dgm:pt>
     <dgm:pt modelId="{E0073313-C99B-4204-A89F-3242ECD178A5}" type="pres">
       <dgm:prSet presAssocID="{C5D0EFA4-0A6A-483A-A79F-8FED9C6D7FF0}" presName="circ3Tx" presStyleLbl="revTx" presStyleIdx="0" presStyleCnt="0">
@@ -7101,10 +7129,24 @@
         </dgm:presLayoutVars>
       </dgm:prSet>
       <dgm:spPr/>
+      <dgm:t>
+        <a:bodyPr/>
+        <a:lstStyle/>
+        <a:p>
+          <a:endParaRPr lang="ru-RU"/>
+        </a:p>
+      </dgm:t>
     </dgm:pt>
     <dgm:pt modelId="{F03A1A59-14AA-4100-931B-CA652FF23508}" type="pres">
       <dgm:prSet presAssocID="{E2C27574-65A0-4190-AA2B-4879115E9EFF}" presName="circ4" presStyleLbl="vennNode1" presStyleIdx="3" presStyleCnt="4" custScaleX="111173" custLinFactNeighborX="11755" custLinFactNeighborY="-2204"/>
       <dgm:spPr/>
+      <dgm:t>
+        <a:bodyPr/>
+        <a:lstStyle/>
+        <a:p>
+          <a:endParaRPr lang="ru-RU"/>
+        </a:p>
+      </dgm:t>
     </dgm:pt>
     <dgm:pt modelId="{0ECA8FA9-3377-445E-BDF4-7078DF1ADE06}" type="pres">
       <dgm:prSet presAssocID="{E2C27574-65A0-4190-AA2B-4879115E9EFF}" presName="circ4Tx" presStyleLbl="revTx" presStyleIdx="0" presStyleCnt="0">
@@ -7115,6 +7157,13 @@
         </dgm:presLayoutVars>
       </dgm:prSet>
       <dgm:spPr/>
+      <dgm:t>
+        <a:bodyPr/>
+        <a:lstStyle/>
+        <a:p>
+          <a:endParaRPr lang="ru-RU"/>
+        </a:p>
+      </dgm:t>
     </dgm:pt>
   </dgm:ptLst>
   <dgm:cxnLst>
@@ -7332,6 +7381,13 @@
         </dgm:presLayoutVars>
       </dgm:prSet>
       <dgm:spPr/>
+      <dgm:t>
+        <a:bodyPr/>
+        <a:lstStyle/>
+        <a:p>
+          <a:endParaRPr lang="ru-RU"/>
+        </a:p>
+      </dgm:t>
     </dgm:pt>
     <dgm:pt modelId="{ADC654F9-AC30-4DDA-93DE-D34E4E6242FC}" type="pres">
       <dgm:prSet presAssocID="{6F6D531C-BB73-40EF-A9B4-CDEE8D850CA3}" presName="parentText" presStyleLbl="node1" presStyleIdx="0" presStyleCnt="2">
@@ -7356,6 +7412,13 @@
         </dgm:presLayoutVars>
       </dgm:prSet>
       <dgm:spPr/>
+      <dgm:t>
+        <a:bodyPr/>
+        <a:lstStyle/>
+        <a:p>
+          <a:endParaRPr lang="ru-RU"/>
+        </a:p>
+      </dgm:t>
     </dgm:pt>
     <dgm:pt modelId="{EC4C4D70-61AD-405F-BD59-303CCE7F24D6}" type="pres">
       <dgm:prSet presAssocID="{24D1692D-4E22-43D1-87D5-2624F00A46D0}" presName="parentText" presStyleLbl="node1" presStyleIdx="1" presStyleCnt="2">
@@ -7365,6 +7428,13 @@
         </dgm:presLayoutVars>
       </dgm:prSet>
       <dgm:spPr/>
+      <dgm:t>
+        <a:bodyPr/>
+        <a:lstStyle/>
+        <a:p>
+          <a:endParaRPr lang="ru-RU"/>
+        </a:p>
+      </dgm:t>
     </dgm:pt>
     <dgm:pt modelId="{0B111988-2471-4A31-960E-0A1F6BD36C8C}" type="pres">
       <dgm:prSet presAssocID="{24D1692D-4E22-43D1-87D5-2624F00A46D0}" presName="childText" presStyleLbl="revTx" presStyleIdx="1" presStyleCnt="2">
@@ -7388,8 +7458,8 @@
     <dgm:cxn modelId="{B9FA75D4-60BC-41C7-ACF5-308ADCCF3342}" srcId="{0737B6A3-C215-46AE-8691-768C74F81F91}" destId="{6F6D531C-BB73-40EF-A9B4-CDEE8D850CA3}" srcOrd="0" destOrd="0" parTransId="{279856BE-A834-4B22-B49F-877F7491475E}" sibTransId="{F0CA208D-62D4-4C28-8114-B65D4C151D9D}"/>
     <dgm:cxn modelId="{D6A31BFC-91EA-4A73-9BB7-9BC8A869D9DC}" type="presOf" srcId="{4CED462D-64D9-4085-92D0-02AB5D4ED0B6}" destId="{019937E0-B28F-4E93-9F51-A3D9C34472AD}" srcOrd="0" destOrd="0" presId="urn:microsoft.com/office/officeart/2005/8/layout/vList2"/>
     <dgm:cxn modelId="{A519659F-4C98-4B29-8DBE-165E02490AC5}" type="presOf" srcId="{6F6D531C-BB73-40EF-A9B4-CDEE8D850CA3}" destId="{ADC654F9-AC30-4DDA-93DE-D34E4E6242FC}" srcOrd="0" destOrd="0" presId="urn:microsoft.com/office/officeart/2005/8/layout/vList2"/>
+    <dgm:cxn modelId="{30908CF5-924F-4FB8-A024-0E5201350146}" type="presOf" srcId="{0737B6A3-C215-46AE-8691-768C74F81F91}" destId="{4EF925E6-88AC-44A5-9FC9-F685A9B3975B}" srcOrd="0" destOrd="0" presId="urn:microsoft.com/office/officeart/2005/8/layout/vList2"/>
     <dgm:cxn modelId="{1E25B718-34A1-454D-9CF6-E6B8C3C31600}" srcId="{6F6D531C-BB73-40EF-A9B4-CDEE8D850CA3}" destId="{4CED462D-64D9-4085-92D0-02AB5D4ED0B6}" srcOrd="0" destOrd="0" parTransId="{4C80DE33-6F91-42BB-BE80-1956648237A8}" sibTransId="{7F495650-33CC-40DC-B340-53CF32C60E68}"/>
-    <dgm:cxn modelId="{30908CF5-924F-4FB8-A024-0E5201350146}" type="presOf" srcId="{0737B6A3-C215-46AE-8691-768C74F81F91}" destId="{4EF925E6-88AC-44A5-9FC9-F685A9B3975B}" srcOrd="0" destOrd="0" presId="urn:microsoft.com/office/officeart/2005/8/layout/vList2"/>
     <dgm:cxn modelId="{25134F50-4823-49BE-9E46-DC6DB4D19D6D}" type="presOf" srcId="{24D1692D-4E22-43D1-87D5-2624F00A46D0}" destId="{EC4C4D70-61AD-405F-BD59-303CCE7F24D6}" srcOrd="0" destOrd="0" presId="urn:microsoft.com/office/officeart/2005/8/layout/vList2"/>
     <dgm:cxn modelId="{131306EF-447D-4290-A312-B063EA9DAB8F}" type="presOf" srcId="{C37072AC-7D65-489E-A2D2-A517C917DAB5}" destId="{0B111988-2471-4A31-960E-0A1F6BD36C8C}" srcOrd="0" destOrd="0" presId="urn:microsoft.com/office/officeart/2005/8/layout/vList2"/>
     <dgm:cxn modelId="{16C66D6C-AEC9-4318-ACD7-B9EA1B4CC62D}" type="presParOf" srcId="{4EF925E6-88AC-44A5-9FC9-F685A9B3975B}" destId="{ADC654F9-AC30-4DDA-93DE-D34E4E6242FC}" srcOrd="0" destOrd="0" presId="urn:microsoft.com/office/officeart/2005/8/layout/vList2"/>
@@ -7621,6 +7691,13 @@
         </dgm:presLayoutVars>
       </dgm:prSet>
       <dgm:spPr/>
+      <dgm:t>
+        <a:bodyPr/>
+        <a:lstStyle/>
+        <a:p>
+          <a:endParaRPr lang="ru-RU"/>
+        </a:p>
+      </dgm:t>
     </dgm:pt>
     <dgm:pt modelId="{AA5104AE-15C9-442D-BE9F-624642DC7754}" type="pres">
       <dgm:prSet presAssocID="{49160D51-F0F9-453A-AE09-50BF36CE61CA}" presName="parentText" presStyleLbl="node1" presStyleIdx="0" presStyleCnt="2">
@@ -7689,8 +7766,8 @@
     <dgm:cxn modelId="{3C82DFCC-B06D-4E0E-A50D-16E31BF44BE0}" type="presOf" srcId="{90F013F5-8A6E-4507-8A7F-3EA7D0DB6810}" destId="{2A14937C-6200-470F-A925-66CAA881CBD9}" srcOrd="0" destOrd="0" presId="urn:microsoft.com/office/officeart/2005/8/layout/vList2"/>
     <dgm:cxn modelId="{371271CE-4DD8-4122-BB03-34FDEDDFCD75}" srcId="{90F013F5-8A6E-4507-8A7F-3EA7D0DB6810}" destId="{A2D039D0-0346-4D6F-8DC8-03401CD36E6A}" srcOrd="1" destOrd="0" parTransId="{8F90C142-37D2-4E07-8C81-E1869B98D9AC}" sibTransId="{C5532C6A-221E-4667-AAB8-0BD7B2F1B7FA}"/>
     <dgm:cxn modelId="{D3E510E6-5435-4C2B-833D-8685111BD8BE}" srcId="{A2D039D0-0346-4D6F-8DC8-03401CD36E6A}" destId="{6B237AAC-704D-4566-8FD1-2B1FD9BEF0DD}" srcOrd="0" destOrd="0" parTransId="{8F8E8622-8787-4BCB-B0D7-25FBDA97885D}" sibTransId="{007C43A8-67AB-4E84-A596-E64454CEF4CE}"/>
+    <dgm:cxn modelId="{CE73664C-F9C3-4BD1-BB3F-DDD03945F398}" type="presOf" srcId="{BE2B725E-AE39-464A-9F65-ED70C97FF110}" destId="{6E2567BF-24AB-4DE9-8717-E6299D7D5BB7}" srcOrd="0" destOrd="0" presId="urn:microsoft.com/office/officeart/2005/8/layout/vList2"/>
     <dgm:cxn modelId="{DC4C3945-E8FA-4123-9C32-9CF294D54789}" srcId="{90F013F5-8A6E-4507-8A7F-3EA7D0DB6810}" destId="{49160D51-F0F9-453A-AE09-50BF36CE61CA}" srcOrd="0" destOrd="0" parTransId="{90935DA2-235A-434C-8182-12BAC3566DFD}" sibTransId="{9B7A5939-7533-46CF-9C7C-0D005D6BF4BF}"/>
-    <dgm:cxn modelId="{CE73664C-F9C3-4BD1-BB3F-DDD03945F398}" type="presOf" srcId="{BE2B725E-AE39-464A-9F65-ED70C97FF110}" destId="{6E2567BF-24AB-4DE9-8717-E6299D7D5BB7}" srcOrd="0" destOrd="0" presId="urn:microsoft.com/office/officeart/2005/8/layout/vList2"/>
     <dgm:cxn modelId="{95FFA1CE-6AB5-4866-B69A-D072FAF6642A}" type="presOf" srcId="{49160D51-F0F9-453A-AE09-50BF36CE61CA}" destId="{AA5104AE-15C9-442D-BE9F-624642DC7754}" srcOrd="0" destOrd="0" presId="urn:microsoft.com/office/officeart/2005/8/layout/vList2"/>
     <dgm:cxn modelId="{5F2FB93F-EA98-470B-BF67-4CD8BC3DBFBA}" type="presOf" srcId="{6B237AAC-704D-4566-8FD1-2B1FD9BEF0DD}" destId="{61DF721F-45F2-4D1E-80FE-1B389F4E8C1F}" srcOrd="0" destOrd="0" presId="urn:microsoft.com/office/officeart/2005/8/layout/vList2"/>
     <dgm:cxn modelId="{255AF016-A5BC-4AEB-B496-93D0141DEF2B}" type="presOf" srcId="{A2D039D0-0346-4D6F-8DC8-03401CD36E6A}" destId="{3E00FBEA-F167-468D-A3A0-4A7B9C94FB57}" srcOrd="0" destOrd="0" presId="urn:microsoft.com/office/officeart/2005/8/layout/vList2"/>
@@ -7896,6 +7973,13 @@
         </dgm:presLayoutVars>
       </dgm:prSet>
       <dgm:spPr/>
+      <dgm:t>
+        <a:bodyPr/>
+        <a:lstStyle/>
+        <a:p>
+          <a:endParaRPr lang="ru-RU"/>
+        </a:p>
+      </dgm:t>
     </dgm:pt>
     <dgm:pt modelId="{AA5104AE-15C9-442D-BE9F-624642DC7754}" type="pres">
       <dgm:prSet presAssocID="{49160D51-F0F9-453A-AE09-50BF36CE61CA}" presName="parentText" presStyleLbl="node1" presStyleIdx="0" presStyleCnt="2">
@@ -8163,6 +8247,13 @@
         </dgm:presLayoutVars>
       </dgm:prSet>
       <dgm:spPr/>
+      <dgm:t>
+        <a:bodyPr/>
+        <a:lstStyle/>
+        <a:p>
+          <a:endParaRPr lang="ru-RU"/>
+        </a:p>
+      </dgm:t>
     </dgm:pt>
     <dgm:pt modelId="{AA5104AE-15C9-442D-BE9F-624642DC7754}" type="pres">
       <dgm:prSet presAssocID="{49160D51-F0F9-453A-AE09-50BF36CE61CA}" presName="parentText" presStyleLbl="node1" presStyleIdx="0" presStyleCnt="2">
@@ -8218,6 +8309,13 @@
         </dgm:presLayoutVars>
       </dgm:prSet>
       <dgm:spPr/>
+      <dgm:t>
+        <a:bodyPr/>
+        <a:lstStyle/>
+        <a:p>
+          <a:endParaRPr lang="ru-RU"/>
+        </a:p>
+      </dgm:t>
     </dgm:pt>
   </dgm:ptLst>
   <dgm:cxnLst>
@@ -8419,6 +8517,13 @@
         </dgm:presLayoutVars>
       </dgm:prSet>
       <dgm:spPr/>
+      <dgm:t>
+        <a:bodyPr/>
+        <a:lstStyle/>
+        <a:p>
+          <a:endParaRPr lang="ru-RU"/>
+        </a:p>
+      </dgm:t>
     </dgm:pt>
     <dgm:pt modelId="{AA5104AE-15C9-442D-BE9F-624642DC7754}" type="pres">
       <dgm:prSet presAssocID="{49160D51-F0F9-453A-AE09-50BF36CE61CA}" presName="parentText" presStyleLbl="node1" presStyleIdx="0" presStyleCnt="2" custLinFactNeighborX="-290" custLinFactNeighborY="-20836">
@@ -8485,8 +8590,8 @@
   </dgm:ptLst>
   <dgm:cxnLst>
     <dgm:cxn modelId="{1379356C-9554-46BC-8AB6-8882A9689290}" type="presOf" srcId="{90F013F5-8A6E-4507-8A7F-3EA7D0DB6810}" destId="{2A14937C-6200-470F-A925-66CAA881CBD9}" srcOrd="0" destOrd="0" presId="urn:microsoft.com/office/officeart/2005/8/layout/vList2"/>
+    <dgm:cxn modelId="{51F53C7F-CD52-4F58-8D43-86953A97AC2C}" type="presOf" srcId="{BE2B725E-AE39-464A-9F65-ED70C97FF110}" destId="{6E2567BF-24AB-4DE9-8717-E6299D7D5BB7}" srcOrd="0" destOrd="0" presId="urn:microsoft.com/office/officeart/2005/8/layout/vList2"/>
     <dgm:cxn modelId="{371271CE-4DD8-4122-BB03-34FDEDDFCD75}" srcId="{90F013F5-8A6E-4507-8A7F-3EA7D0DB6810}" destId="{A2D039D0-0346-4D6F-8DC8-03401CD36E6A}" srcOrd="1" destOrd="0" parTransId="{8F90C142-37D2-4E07-8C81-E1869B98D9AC}" sibTransId="{C5532C6A-221E-4667-AAB8-0BD7B2F1B7FA}"/>
-    <dgm:cxn modelId="{51F53C7F-CD52-4F58-8D43-86953A97AC2C}" type="presOf" srcId="{BE2B725E-AE39-464A-9F65-ED70C97FF110}" destId="{6E2567BF-24AB-4DE9-8717-E6299D7D5BB7}" srcOrd="0" destOrd="0" presId="urn:microsoft.com/office/officeart/2005/8/layout/vList2"/>
     <dgm:cxn modelId="{D3E510E6-5435-4C2B-833D-8685111BD8BE}" srcId="{A2D039D0-0346-4D6F-8DC8-03401CD36E6A}" destId="{6B237AAC-704D-4566-8FD1-2B1FD9BEF0DD}" srcOrd="0" destOrd="0" parTransId="{8F8E8622-8787-4BCB-B0D7-25FBDA97885D}" sibTransId="{007C43A8-67AB-4E84-A596-E64454CEF4CE}"/>
     <dgm:cxn modelId="{DC4C3945-E8FA-4123-9C32-9CF294D54789}" srcId="{90F013F5-8A6E-4507-8A7F-3EA7D0DB6810}" destId="{49160D51-F0F9-453A-AE09-50BF36CE61CA}" srcOrd="0" destOrd="0" parTransId="{90935DA2-235A-434C-8182-12BAC3566DFD}" sibTransId="{9B7A5939-7533-46CF-9C7C-0D005D6BF4BF}"/>
     <dgm:cxn modelId="{E6F1F211-6F2F-47F1-B474-45F178687A9D}" type="presOf" srcId="{49160D51-F0F9-453A-AE09-50BF36CE61CA}" destId="{AA5104AE-15C9-442D-BE9F-624642DC7754}" srcOrd="0" destOrd="0" presId="urn:microsoft.com/office/officeart/2005/8/layout/vList2"/>
@@ -8690,6 +8795,13 @@
         </dgm:presLayoutVars>
       </dgm:prSet>
       <dgm:spPr/>
+      <dgm:t>
+        <a:bodyPr/>
+        <a:lstStyle/>
+        <a:p>
+          <a:endParaRPr lang="ru-RU"/>
+        </a:p>
+      </dgm:t>
     </dgm:pt>
     <dgm:pt modelId="{AA5104AE-15C9-442D-BE9F-624642DC7754}" type="pres">
       <dgm:prSet presAssocID="{49160D51-F0F9-453A-AE09-50BF36CE61CA}" presName="parentText" presStyleLbl="node1" presStyleIdx="0" presStyleCnt="2" custLinFactNeighborX="-290" custLinFactNeighborY="-20836">
@@ -8953,6 +9065,13 @@
         </dgm:presLayoutVars>
       </dgm:prSet>
       <dgm:spPr/>
+      <dgm:t>
+        <a:bodyPr/>
+        <a:lstStyle/>
+        <a:p>
+          <a:endParaRPr lang="ru-RU"/>
+        </a:p>
+      </dgm:t>
     </dgm:pt>
     <dgm:pt modelId="{AA5104AE-15C9-442D-BE9F-624642DC7754}" type="pres">
       <dgm:prSet presAssocID="{49160D51-F0F9-453A-AE09-50BF36CE61CA}" presName="parentText" presStyleLbl="node1" presStyleIdx="0" presStyleCnt="2" custLinFactNeighborX="-3768" custLinFactNeighborY="-3052">
@@ -9022,8 +9141,8 @@
     <dgm:cxn modelId="{371271CE-4DD8-4122-BB03-34FDEDDFCD75}" srcId="{90F013F5-8A6E-4507-8A7F-3EA7D0DB6810}" destId="{A2D039D0-0346-4D6F-8DC8-03401CD36E6A}" srcOrd="1" destOrd="0" parTransId="{8F90C142-37D2-4E07-8C81-E1869B98D9AC}" sibTransId="{C5532C6A-221E-4667-AAB8-0BD7B2F1B7FA}"/>
     <dgm:cxn modelId="{D3E510E6-5435-4C2B-833D-8685111BD8BE}" srcId="{A2D039D0-0346-4D6F-8DC8-03401CD36E6A}" destId="{6B237AAC-704D-4566-8FD1-2B1FD9BEF0DD}" srcOrd="0" destOrd="0" parTransId="{8F8E8622-8787-4BCB-B0D7-25FBDA97885D}" sibTransId="{007C43A8-67AB-4E84-A596-E64454CEF4CE}"/>
     <dgm:cxn modelId="{DC4C3945-E8FA-4123-9C32-9CF294D54789}" srcId="{90F013F5-8A6E-4507-8A7F-3EA7D0DB6810}" destId="{49160D51-F0F9-453A-AE09-50BF36CE61CA}" srcOrd="0" destOrd="0" parTransId="{90935DA2-235A-434C-8182-12BAC3566DFD}" sibTransId="{9B7A5939-7533-46CF-9C7C-0D005D6BF4BF}"/>
+    <dgm:cxn modelId="{5F836A45-ADA5-44FA-8CC0-A1F34C476579}" type="presOf" srcId="{6B237AAC-704D-4566-8FD1-2B1FD9BEF0DD}" destId="{61DF721F-45F2-4D1E-80FE-1B389F4E8C1F}" srcOrd="0" destOrd="0" presId="urn:microsoft.com/office/officeart/2005/8/layout/vList2"/>
     <dgm:cxn modelId="{5C8D813C-56D3-4FDB-94EF-2E03272749E0}" type="presOf" srcId="{90F013F5-8A6E-4507-8A7F-3EA7D0DB6810}" destId="{2A14937C-6200-470F-A925-66CAA881CBD9}" srcOrd="0" destOrd="0" presId="urn:microsoft.com/office/officeart/2005/8/layout/vList2"/>
-    <dgm:cxn modelId="{5F836A45-ADA5-44FA-8CC0-A1F34C476579}" type="presOf" srcId="{6B237AAC-704D-4566-8FD1-2B1FD9BEF0DD}" destId="{61DF721F-45F2-4D1E-80FE-1B389F4E8C1F}" srcOrd="0" destOrd="0" presId="urn:microsoft.com/office/officeart/2005/8/layout/vList2"/>
     <dgm:cxn modelId="{44BE5734-DD14-45B1-B6D4-8A13F0F76E77}" type="presOf" srcId="{A2D039D0-0346-4D6F-8DC8-03401CD36E6A}" destId="{3E00FBEA-F167-468D-A3A0-4A7B9C94FB57}" srcOrd="0" destOrd="0" presId="urn:microsoft.com/office/officeart/2005/8/layout/vList2"/>
     <dgm:cxn modelId="{8C31613F-C859-4931-9584-5A2F737EA536}" type="presOf" srcId="{BE2B725E-AE39-464A-9F65-ED70C97FF110}" destId="{6E2567BF-24AB-4DE9-8717-E6299D7D5BB7}" srcOrd="0" destOrd="0" presId="urn:microsoft.com/office/officeart/2005/8/layout/vList2"/>
     <dgm:cxn modelId="{22AC22D6-B9F8-4D92-A2BB-9396770C7F0C}" srcId="{49160D51-F0F9-453A-AE09-50BF36CE61CA}" destId="{BE2B725E-AE39-464A-9F65-ED70C97FF110}" srcOrd="0" destOrd="0" parTransId="{EB49FDD5-1A34-4BE0-AFB8-1E350BE5F9E9}" sibTransId="{4A867125-DD36-41E9-BCC8-0A8E42583C7A}"/>
@@ -21962,7 +22081,7 @@
             <a:fld id="{538BBA60-8432-492D-AD33-B7A722F75758}" type="datetimeFigureOut">
               <a:rPr lang="ru-RU" smtClean="0"/>
               <a:pPr/>
-              <a:t>11.12.2019</a:t>
+              <a:t>12.12.2019</a:t>
             </a:fld>
             <a:endParaRPr lang="ru-RU"/>
           </a:p>
@@ -22014,7 +22133,7 @@
     </p:spTree>
     <p:extLst>
       <p:ext uri="{BB962C8B-B14F-4D97-AF65-F5344CB8AC3E}">
-        <p14:creationId xmlns:p14="http://schemas.microsoft.com/office/powerpoint/2010/main" xmlns="" val="1984512739"/>
+        <p14:creationId xmlns="" xmlns:p14="http://schemas.microsoft.com/office/powerpoint/2010/main" val="1984512739"/>
       </p:ext>
     </p:extLst>
   </p:cSld>
@@ -22134,7 +22253,7 @@
             <a:fld id="{538BBA60-8432-492D-AD33-B7A722F75758}" type="datetimeFigureOut">
               <a:rPr lang="ru-RU" smtClean="0"/>
               <a:pPr/>
-              <a:t>11.12.2019</a:t>
+              <a:t>12.12.2019</a:t>
             </a:fld>
             <a:endParaRPr lang="ru-RU"/>
           </a:p>
@@ -22186,7 +22305,7 @@
     </p:spTree>
     <p:extLst>
       <p:ext uri="{BB962C8B-B14F-4D97-AF65-F5344CB8AC3E}">
-        <p14:creationId xmlns:p14="http://schemas.microsoft.com/office/powerpoint/2010/main" xmlns="" val="2538365604"/>
+        <p14:creationId xmlns="" xmlns:p14="http://schemas.microsoft.com/office/powerpoint/2010/main" val="2538365604"/>
       </p:ext>
     </p:extLst>
   </p:cSld>
@@ -22316,7 +22435,7 @@
             <a:fld id="{538BBA60-8432-492D-AD33-B7A722F75758}" type="datetimeFigureOut">
               <a:rPr lang="ru-RU" smtClean="0"/>
               <a:pPr/>
-              <a:t>11.12.2019</a:t>
+              <a:t>12.12.2019</a:t>
             </a:fld>
             <a:endParaRPr lang="ru-RU"/>
           </a:p>
@@ -22368,7 +22487,7 @@
     </p:spTree>
     <p:extLst>
       <p:ext uri="{BB962C8B-B14F-4D97-AF65-F5344CB8AC3E}">
-        <p14:creationId xmlns:p14="http://schemas.microsoft.com/office/powerpoint/2010/main" xmlns="" val="1782591805"/>
+        <p14:creationId xmlns="" xmlns:p14="http://schemas.microsoft.com/office/powerpoint/2010/main" val="1782591805"/>
       </p:ext>
     </p:extLst>
   </p:cSld>
@@ -22488,7 +22607,7 @@
             <a:fld id="{538BBA60-8432-492D-AD33-B7A722F75758}" type="datetimeFigureOut">
               <a:rPr lang="ru-RU" smtClean="0"/>
               <a:pPr/>
-              <a:t>11.12.2019</a:t>
+              <a:t>12.12.2019</a:t>
             </a:fld>
             <a:endParaRPr lang="ru-RU"/>
           </a:p>
@@ -22540,7 +22659,7 @@
     </p:spTree>
     <p:extLst>
       <p:ext uri="{BB962C8B-B14F-4D97-AF65-F5344CB8AC3E}">
-        <p14:creationId xmlns:p14="http://schemas.microsoft.com/office/powerpoint/2010/main" xmlns="" val="1953316265"/>
+        <p14:creationId xmlns="" xmlns:p14="http://schemas.microsoft.com/office/powerpoint/2010/main" val="1953316265"/>
       </p:ext>
     </p:extLst>
   </p:cSld>
@@ -22736,7 +22855,7 @@
             <a:fld id="{538BBA60-8432-492D-AD33-B7A722F75758}" type="datetimeFigureOut">
               <a:rPr lang="ru-RU" smtClean="0"/>
               <a:pPr/>
-              <a:t>11.12.2019</a:t>
+              <a:t>12.12.2019</a:t>
             </a:fld>
             <a:endParaRPr lang="ru-RU"/>
           </a:p>
@@ -22788,7 +22907,7 @@
     </p:spTree>
     <p:extLst>
       <p:ext uri="{BB962C8B-B14F-4D97-AF65-F5344CB8AC3E}">
-        <p14:creationId xmlns:p14="http://schemas.microsoft.com/office/powerpoint/2010/main" xmlns="" val="2396274149"/>
+        <p14:creationId xmlns="" xmlns:p14="http://schemas.microsoft.com/office/powerpoint/2010/main" val="2396274149"/>
       </p:ext>
     </p:extLst>
   </p:cSld>
@@ -22970,7 +23089,7 @@
             <a:fld id="{538BBA60-8432-492D-AD33-B7A722F75758}" type="datetimeFigureOut">
               <a:rPr lang="ru-RU" smtClean="0"/>
               <a:pPr/>
-              <a:t>11.12.2019</a:t>
+              <a:t>12.12.2019</a:t>
             </a:fld>
             <a:endParaRPr lang="ru-RU"/>
           </a:p>
@@ -23022,7 +23141,7 @@
     </p:spTree>
     <p:extLst>
       <p:ext uri="{BB962C8B-B14F-4D97-AF65-F5344CB8AC3E}">
-        <p14:creationId xmlns:p14="http://schemas.microsoft.com/office/powerpoint/2010/main" xmlns="" val="369763341"/>
+        <p14:creationId xmlns="" xmlns:p14="http://schemas.microsoft.com/office/powerpoint/2010/main" val="369763341"/>
       </p:ext>
     </p:extLst>
   </p:cSld>
@@ -23339,7 +23458,7 @@
             <a:fld id="{538BBA60-8432-492D-AD33-B7A722F75758}" type="datetimeFigureOut">
               <a:rPr lang="ru-RU" smtClean="0"/>
               <a:pPr/>
-              <a:t>11.12.2019</a:t>
+              <a:t>12.12.2019</a:t>
             </a:fld>
             <a:endParaRPr lang="ru-RU"/>
           </a:p>
@@ -23391,7 +23510,7 @@
     </p:spTree>
     <p:extLst>
       <p:ext uri="{BB962C8B-B14F-4D97-AF65-F5344CB8AC3E}">
-        <p14:creationId xmlns:p14="http://schemas.microsoft.com/office/powerpoint/2010/main" xmlns="" val="1572492559"/>
+        <p14:creationId xmlns="" xmlns:p14="http://schemas.microsoft.com/office/powerpoint/2010/main" val="1572492559"/>
       </p:ext>
     </p:extLst>
   </p:cSld>
@@ -23459,7 +23578,7 @@
             <a:fld id="{538BBA60-8432-492D-AD33-B7A722F75758}" type="datetimeFigureOut">
               <a:rPr lang="ru-RU" smtClean="0"/>
               <a:pPr/>
-              <a:t>11.12.2019</a:t>
+              <a:t>12.12.2019</a:t>
             </a:fld>
             <a:endParaRPr lang="ru-RU"/>
           </a:p>
@@ -23511,7 +23630,7 @@
     </p:spTree>
     <p:extLst>
       <p:ext uri="{BB962C8B-B14F-4D97-AF65-F5344CB8AC3E}">
-        <p14:creationId xmlns:p14="http://schemas.microsoft.com/office/powerpoint/2010/main" xmlns="" val="2082097131"/>
+        <p14:creationId xmlns="" xmlns:p14="http://schemas.microsoft.com/office/powerpoint/2010/main" val="2082097131"/>
       </p:ext>
     </p:extLst>
   </p:cSld>
@@ -23556,7 +23675,7 @@
             <a:fld id="{538BBA60-8432-492D-AD33-B7A722F75758}" type="datetimeFigureOut">
               <a:rPr lang="ru-RU" smtClean="0"/>
               <a:pPr/>
-              <a:t>11.12.2019</a:t>
+              <a:t>12.12.2019</a:t>
             </a:fld>
             <a:endParaRPr lang="ru-RU"/>
           </a:p>
@@ -23608,7 +23727,7 @@
     </p:spTree>
     <p:extLst>
       <p:ext uri="{BB962C8B-B14F-4D97-AF65-F5344CB8AC3E}">
-        <p14:creationId xmlns:p14="http://schemas.microsoft.com/office/powerpoint/2010/main" xmlns="" val="2184293719"/>
+        <p14:creationId xmlns="" xmlns:p14="http://schemas.microsoft.com/office/powerpoint/2010/main" val="2184293719"/>
       </p:ext>
     </p:extLst>
   </p:cSld>
@@ -23835,7 +23954,7 @@
             <a:fld id="{538BBA60-8432-492D-AD33-B7A722F75758}" type="datetimeFigureOut">
               <a:rPr lang="ru-RU" smtClean="0"/>
               <a:pPr/>
-              <a:t>11.12.2019</a:t>
+              <a:t>12.12.2019</a:t>
             </a:fld>
             <a:endParaRPr lang="ru-RU"/>
           </a:p>
@@ -23887,7 +24006,7 @@
     </p:spTree>
     <p:extLst>
       <p:ext uri="{BB962C8B-B14F-4D97-AF65-F5344CB8AC3E}">
-        <p14:creationId xmlns:p14="http://schemas.microsoft.com/office/powerpoint/2010/main" xmlns="" val="3898644940"/>
+        <p14:creationId xmlns="" xmlns:p14="http://schemas.microsoft.com/office/powerpoint/2010/main" val="3898644940"/>
       </p:ext>
     </p:extLst>
   </p:cSld>
@@ -24090,7 +24209,7 @@
             <a:fld id="{538BBA60-8432-492D-AD33-B7A722F75758}" type="datetimeFigureOut">
               <a:rPr lang="ru-RU" smtClean="0"/>
               <a:pPr/>
-              <a:t>11.12.2019</a:t>
+              <a:t>12.12.2019</a:t>
             </a:fld>
             <a:endParaRPr lang="ru-RU"/>
           </a:p>
@@ -24142,7 +24261,7 @@
     </p:spTree>
     <p:extLst>
       <p:ext uri="{BB962C8B-B14F-4D97-AF65-F5344CB8AC3E}">
-        <p14:creationId xmlns:p14="http://schemas.microsoft.com/office/powerpoint/2010/main" xmlns="" val="2432276906"/>
+        <p14:creationId xmlns="" xmlns:p14="http://schemas.microsoft.com/office/powerpoint/2010/main" val="2432276906"/>
       </p:ext>
     </p:extLst>
   </p:cSld>
@@ -24305,7 +24424,7 @@
             <a:fld id="{538BBA60-8432-492D-AD33-B7A722F75758}" type="datetimeFigureOut">
               <a:rPr lang="ru-RU" smtClean="0"/>
               <a:pPr/>
-              <a:t>11.12.2019</a:t>
+              <a:t>12.12.2019</a:t>
             </a:fld>
             <a:endParaRPr lang="ru-RU"/>
           </a:p>
@@ -24393,7 +24512,7 @@
     </p:spTree>
     <p:extLst>
       <p:ext uri="{BB962C8B-B14F-4D97-AF65-F5344CB8AC3E}">
-        <p14:creationId xmlns:p14="http://schemas.microsoft.com/office/powerpoint/2010/main" xmlns="" val="1734578052"/>
+        <p14:creationId xmlns="" xmlns:p14="http://schemas.microsoft.com/office/powerpoint/2010/main" val="1734578052"/>
       </p:ext>
     </p:extLst>
   </p:cSld>
@@ -24784,7 +24903,7 @@
           <a:noFill/>
           <a:extLst>
             <a:ext uri="{909E8E84-426E-40DD-AFC4-6F175D3DCCD1}">
-              <a14:hiddenFill xmlns:a14="http://schemas.microsoft.com/office/drawing/2010/main" xmlns="">
+              <a14:hiddenFill xmlns="" xmlns:a14="http://schemas.microsoft.com/office/drawing/2010/main">
                 <a:solidFill>
                   <a:srgbClr val="FFFFFF"/>
                 </a:solidFill>
@@ -24807,7 +24926,7 @@
     </p:spTree>
     <p:extLst>
       <p:ext uri="{BB962C8B-B14F-4D97-AF65-F5344CB8AC3E}">
-        <p14:creationId xmlns:p14="http://schemas.microsoft.com/office/powerpoint/2010/main" xmlns="" val="2827995563"/>
+        <p14:creationId xmlns="" xmlns:p14="http://schemas.microsoft.com/office/powerpoint/2010/main" val="2827995563"/>
       </p:ext>
     </p:extLst>
   </p:cSld>
@@ -25442,7 +25561,7 @@
           <a:blip r:embed="rId2" cstate="print">
             <a:extLst>
               <a:ext uri="{28A0092B-C50C-407E-A947-70E740481C1C}">
-                <a14:useLocalDpi xmlns:a14="http://schemas.microsoft.com/office/drawing/2010/main" xmlns="" val="0"/>
+                <a14:useLocalDpi xmlns="" xmlns:a14="http://schemas.microsoft.com/office/drawing/2010/main" val="0"/>
               </a:ext>
             </a:extLst>
           </a:blip>
@@ -25462,7 +25581,7 @@
           <a:noFill/>
           <a:extLst>
             <a:ext uri="{909E8E84-426E-40DD-AFC4-6F175D3DCCD1}">
-              <a14:hiddenFill xmlns:a14="http://schemas.microsoft.com/office/drawing/2010/main" xmlns="">
+              <a14:hiddenFill xmlns="" xmlns:a14="http://schemas.microsoft.com/office/drawing/2010/main">
                 <a:solidFill>
                   <a:srgbClr val="FFFFFF"/>
                 </a:solidFill>
@@ -25474,7 +25593,7 @@
     </p:spTree>
     <p:extLst>
       <p:ext uri="{BB962C8B-B14F-4D97-AF65-F5344CB8AC3E}">
-        <p14:creationId xmlns:p14="http://schemas.microsoft.com/office/powerpoint/2010/main" xmlns="" val="3191211041"/>
+        <p14:creationId xmlns="" xmlns:p14="http://schemas.microsoft.com/office/powerpoint/2010/main" val="3191211041"/>
       </p:ext>
     </p:extLst>
   </p:cSld>
@@ -25525,19 +25644,7 @@
           <a:p>
             <a:r>
               <a:rPr lang="ru-RU" dirty="0" smtClean="0"/>
-              <a:t>Реализованы </a:t>
-            </a:r>
-            <a:r>
-              <a:rPr lang="ru-RU" dirty="0" smtClean="0"/>
-              <a:t>б</a:t>
-            </a:r>
-            <a:r>
-              <a:rPr lang="ru-RU" dirty="0" smtClean="0"/>
-              <a:t>азовые </a:t>
-            </a:r>
-            <a:r>
-              <a:rPr lang="ru-RU" dirty="0" smtClean="0"/>
-              <a:t>сущности</a:t>
+              <a:t>Реализованы базовые сущности</a:t>
             </a:r>
             <a:endParaRPr lang="ru-RU" dirty="0"/>
           </a:p>
@@ -25555,7 +25662,7 @@
           <a:blip r:embed="rId2" cstate="print">
             <a:extLst>
               <a:ext uri="{28A0092B-C50C-407E-A947-70E740481C1C}">
-                <a14:useLocalDpi xmlns:a14="http://schemas.microsoft.com/office/drawing/2010/main" xmlns="" val="0"/>
+                <a14:useLocalDpi xmlns="" xmlns:a14="http://schemas.microsoft.com/office/drawing/2010/main" val="0"/>
               </a:ext>
             </a:extLst>
           </a:blip>
@@ -25576,7 +25683,7 @@
     </p:spTree>
     <p:extLst>
       <p:ext uri="{BB962C8B-B14F-4D97-AF65-F5344CB8AC3E}">
-        <p14:creationId xmlns:p14="http://schemas.microsoft.com/office/powerpoint/2010/main" xmlns="" val="1514905761"/>
+        <p14:creationId xmlns="" xmlns:p14="http://schemas.microsoft.com/office/powerpoint/2010/main" val="1514905761"/>
       </p:ext>
     </p:extLst>
   </p:cSld>
@@ -25627,7 +25734,7 @@
           <a:p>
             <a:r>
               <a:rPr lang="ru-RU" dirty="0" smtClean="0"/>
-              <a:t>Базовые сущности</a:t>
+              <a:t>Методы сущностей</a:t>
             </a:r>
             <a:endParaRPr lang="ru-RU" dirty="0"/>
           </a:p>
@@ -25645,7 +25752,7 @@
           <a:blip r:embed="rId2" cstate="print">
             <a:extLst>
               <a:ext uri="{28A0092B-C50C-407E-A947-70E740481C1C}">
-                <a14:useLocalDpi xmlns:a14="http://schemas.microsoft.com/office/drawing/2010/main" xmlns="" val="0"/>
+                <a14:useLocalDpi xmlns="" xmlns:a14="http://schemas.microsoft.com/office/drawing/2010/main" val="0"/>
               </a:ext>
             </a:extLst>
           </a:blip>
@@ -25675,7 +25782,7 @@
           <a:blip r:embed="rId3" cstate="print">
             <a:extLst>
               <a:ext uri="{28A0092B-C50C-407E-A947-70E740481C1C}">
-                <a14:useLocalDpi xmlns:a14="http://schemas.microsoft.com/office/drawing/2010/main" xmlns="" val="0"/>
+                <a14:useLocalDpi xmlns="" xmlns:a14="http://schemas.microsoft.com/office/drawing/2010/main" val="0"/>
               </a:ext>
             </a:extLst>
           </a:blip>
@@ -25705,7 +25812,7 @@
           <a:blip r:embed="rId4" cstate="print">
             <a:extLst>
               <a:ext uri="{28A0092B-C50C-407E-A947-70E740481C1C}">
-                <a14:useLocalDpi xmlns:a14="http://schemas.microsoft.com/office/drawing/2010/main" xmlns="" val="0"/>
+                <a14:useLocalDpi xmlns="" xmlns:a14="http://schemas.microsoft.com/office/drawing/2010/main" val="0"/>
               </a:ext>
             </a:extLst>
           </a:blip>
@@ -25725,7 +25832,7 @@
           <a:noFill/>
           <a:extLst>
             <a:ext uri="{909E8E84-426E-40DD-AFC4-6F175D3DCCD1}">
-              <a14:hiddenFill xmlns:a14="http://schemas.microsoft.com/office/drawing/2010/main" xmlns="">
+              <a14:hiddenFill xmlns="" xmlns:a14="http://schemas.microsoft.com/office/drawing/2010/main">
                 <a:solidFill>
                   <a:srgbClr val="FFFFFF"/>
                 </a:solidFill>
@@ -25746,7 +25853,7 @@
           <a:blip r:embed="rId5" cstate="print">
             <a:extLst>
               <a:ext uri="{28A0092B-C50C-407E-A947-70E740481C1C}">
-                <a14:useLocalDpi xmlns:a14="http://schemas.microsoft.com/office/drawing/2010/main" xmlns="" val="0"/>
+                <a14:useLocalDpi xmlns="" xmlns:a14="http://schemas.microsoft.com/office/drawing/2010/main" val="0"/>
               </a:ext>
             </a:extLst>
           </a:blip>
@@ -25767,7 +25874,7 @@
     </p:spTree>
     <p:extLst>
       <p:ext uri="{BB962C8B-B14F-4D97-AF65-F5344CB8AC3E}">
-        <p14:creationId xmlns:p14="http://schemas.microsoft.com/office/powerpoint/2010/main" xmlns="" val="2876977054"/>
+        <p14:creationId xmlns="" xmlns:p14="http://schemas.microsoft.com/office/powerpoint/2010/main" val="2876977054"/>
       </p:ext>
     </p:extLst>
   </p:cSld>
@@ -27375,8 +27482,8 @@
         </p:nvSpPr>
         <p:spPr>
           <a:xfrm>
-            <a:off x="4183380" y="2635885"/>
-            <a:ext cx="3825240" cy="1325563"/>
+            <a:off x="2872740" y="2635885"/>
+            <a:ext cx="6446520" cy="1325563"/>
           </a:xfrm>
         </p:spPr>
         <p:txBody>
@@ -27387,8 +27494,12 @@
           <a:p>
             <a:pPr algn="ctr"/>
             <a:r>
+              <a:rPr lang="en-US" sz="8800" dirty="0" smtClean="0"/>
+              <a:t>WEB-</a:t>
+            </a:r>
+            <a:r>
               <a:rPr lang="ru-RU" sz="8800" dirty="0" smtClean="0"/>
-              <a:t>Формы</a:t>
+              <a:t>формы</a:t>
             </a:r>
             <a:endParaRPr lang="ru-RU" sz="8800" dirty="0"/>
           </a:p>
@@ -27935,7 +28046,7 @@
     </p:spTree>
     <p:extLst>
       <p:ext uri="{BB962C8B-B14F-4D97-AF65-F5344CB8AC3E}">
-        <p14:creationId xmlns:p14="http://schemas.microsoft.com/office/powerpoint/2010/main" xmlns="" val="158935268"/>
+        <p14:creationId xmlns="" xmlns:p14="http://schemas.microsoft.com/office/powerpoint/2010/main" val="158935268"/>
       </p:ext>
     </p:extLst>
   </p:cSld>
@@ -28011,7 +28122,7 @@
           <a:blip r:embed="rId2" cstate="print">
             <a:extLst>
               <a:ext uri="{28A0092B-C50C-407E-A947-70E740481C1C}">
-                <a14:useLocalDpi xmlns:a14="http://schemas.microsoft.com/office/drawing/2010/main" xmlns="" val="0"/>
+                <a14:useLocalDpi xmlns="" xmlns:a14="http://schemas.microsoft.com/office/drawing/2010/main" val="0"/>
               </a:ext>
             </a:extLst>
           </a:blip>
@@ -28041,7 +28152,7 @@
           <a:blip r:embed="rId3" cstate="print">
             <a:extLst>
               <a:ext uri="{28A0092B-C50C-407E-A947-70E740481C1C}">
-                <a14:useLocalDpi xmlns:a14="http://schemas.microsoft.com/office/drawing/2010/main" xmlns="" val="0"/>
+                <a14:useLocalDpi xmlns="" xmlns:a14="http://schemas.microsoft.com/office/drawing/2010/main" val="0"/>
               </a:ext>
             </a:extLst>
           </a:blip>
@@ -28062,7 +28173,7 @@
     </p:spTree>
     <p:extLst>
       <p:ext uri="{BB962C8B-B14F-4D97-AF65-F5344CB8AC3E}">
-        <p14:creationId xmlns:p14="http://schemas.microsoft.com/office/powerpoint/2010/main" xmlns="" val="209046340"/>
+        <p14:creationId xmlns="" xmlns:p14="http://schemas.microsoft.com/office/powerpoint/2010/main" val="209046340"/>
       </p:ext>
     </p:extLst>
   </p:cSld>
@@ -28160,7 +28271,7 @@
           <a:blip r:embed="rId2" cstate="print">
             <a:extLst>
               <a:ext uri="{28A0092B-C50C-407E-A947-70E740481C1C}">
-                <a14:useLocalDpi xmlns:a14="http://schemas.microsoft.com/office/drawing/2010/main" xmlns="" val="0"/>
+                <a14:useLocalDpi xmlns="" xmlns:a14="http://schemas.microsoft.com/office/drawing/2010/main" val="0"/>
               </a:ext>
             </a:extLst>
           </a:blip>
@@ -28181,7 +28292,7 @@
     </p:spTree>
     <p:extLst>
       <p:ext uri="{BB962C8B-B14F-4D97-AF65-F5344CB8AC3E}">
-        <p14:creationId xmlns:p14="http://schemas.microsoft.com/office/powerpoint/2010/main" xmlns="" val="1769020213"/>
+        <p14:creationId xmlns="" xmlns:p14="http://schemas.microsoft.com/office/powerpoint/2010/main" val="1769020213"/>
       </p:ext>
     </p:extLst>
   </p:cSld>
@@ -28227,7 +28338,7 @@
           <a:blip r:embed="rId2" cstate="print">
             <a:extLst>
               <a:ext uri="{28A0092B-C50C-407E-A947-70E740481C1C}">
-                <a14:useLocalDpi xmlns:a14="http://schemas.microsoft.com/office/drawing/2010/main" xmlns="" val="0"/>
+                <a14:useLocalDpi xmlns="" xmlns:a14="http://schemas.microsoft.com/office/drawing/2010/main" val="0"/>
               </a:ext>
             </a:extLst>
           </a:blip>
@@ -28248,7 +28359,7 @@
     </p:spTree>
     <p:extLst>
       <p:ext uri="{BB962C8B-B14F-4D97-AF65-F5344CB8AC3E}">
-        <p14:creationId xmlns:p14="http://schemas.microsoft.com/office/powerpoint/2010/main" xmlns="" val="3251218317"/>
+        <p14:creationId xmlns="" xmlns:p14="http://schemas.microsoft.com/office/powerpoint/2010/main" val="3251218317"/>
       </p:ext>
     </p:extLst>
   </p:cSld>
@@ -28313,7 +28424,7 @@
     </p:spTree>
     <p:extLst>
       <p:ext uri="{BB962C8B-B14F-4D97-AF65-F5344CB8AC3E}">
-        <p14:creationId xmlns:p14="http://schemas.microsoft.com/office/powerpoint/2010/main" xmlns="" val="3302020786"/>
+        <p14:creationId xmlns="" xmlns:p14="http://schemas.microsoft.com/office/powerpoint/2010/main" val="3302020786"/>
       </p:ext>
     </p:extLst>
   </p:cSld>
@@ -28359,7 +28470,7 @@
           <a:blip r:embed="rId2" cstate="print">
             <a:extLst>
               <a:ext uri="{28A0092B-C50C-407E-A947-70E740481C1C}">
-                <a14:useLocalDpi xmlns:a14="http://schemas.microsoft.com/office/drawing/2010/main" xmlns="" val="0"/>
+                <a14:useLocalDpi xmlns="" xmlns:a14="http://schemas.microsoft.com/office/drawing/2010/main" val="0"/>
               </a:ext>
             </a:extLst>
           </a:blip>
@@ -28428,7 +28539,7 @@
     </p:spTree>
     <p:extLst>
       <p:ext uri="{BB962C8B-B14F-4D97-AF65-F5344CB8AC3E}">
-        <p14:creationId xmlns:p14="http://schemas.microsoft.com/office/powerpoint/2010/main" xmlns="" val="4012739738"/>
+        <p14:creationId xmlns="" xmlns:p14="http://schemas.microsoft.com/office/powerpoint/2010/main" val="4012739738"/>
       </p:ext>
     </p:extLst>
   </p:cSld>
@@ -28490,7 +28601,7 @@
     </p:spTree>
     <p:extLst>
       <p:ext uri="{BB962C8B-B14F-4D97-AF65-F5344CB8AC3E}">
-        <p14:creationId xmlns:p14="http://schemas.microsoft.com/office/powerpoint/2010/main" xmlns="" val="907482137"/>
+        <p14:creationId xmlns="" xmlns:p14="http://schemas.microsoft.com/office/powerpoint/2010/main" val="907482137"/>
       </p:ext>
     </p:extLst>
   </p:cSld>
@@ -28555,20 +28666,37 @@
         </p:nvSpPr>
         <p:spPr/>
         <p:txBody>
-          <a:bodyPr/>
+          <a:bodyPr>
+            <a:normAutofit/>
+          </a:bodyPr>
           <a:lstStyle/>
           <a:p>
             <a:r>
-              <a:rPr lang="ru-RU" dirty="0" smtClean="0"/>
-              <a:t>Федеративные сети</a:t>
+              <a:rPr lang="ru-RU" sz="3600" dirty="0" smtClean="0"/>
+              <a:t>Развитие социальной сети в сторону федеративных сетей</a:t>
+            </a:r>
+            <a:endParaRPr lang="ru-RU" sz="3600" dirty="0" smtClean="0"/>
+          </a:p>
+          <a:p>
+            <a:r>
+              <a:rPr lang="ru-RU" sz="3600" dirty="0" smtClean="0"/>
+              <a:t>Чат между двумя </a:t>
+            </a:r>
+            <a:r>
+              <a:rPr lang="ru-RU" sz="3600" dirty="0" smtClean="0"/>
+              <a:t>пользователями</a:t>
             </a:r>
           </a:p>
           <a:p>
             <a:r>
-              <a:rPr lang="ru-RU" dirty="0" smtClean="0"/>
-              <a:t>Чат между двумя пользователями</a:t>
+              <a:rPr lang="ru-RU" sz="3600" dirty="0" smtClean="0"/>
+              <a:t>Обработка загружаемых публикаций ИИ с целью фильтрации недопустимого </a:t>
             </a:r>
-            <a:endParaRPr lang="ru-RU" dirty="0"/>
+            <a:r>
+              <a:rPr lang="ru-RU" sz="3600" dirty="0" err="1" smtClean="0"/>
+              <a:t>контента</a:t>
+            </a:r>
+            <a:endParaRPr lang="ru-RU" sz="3600" dirty="0"/>
           </a:p>
         </p:txBody>
       </p:sp>
@@ -28785,7 +28913,7 @@
     </p:spTree>
     <p:extLst>
       <p:ext uri="{BB962C8B-B14F-4D97-AF65-F5344CB8AC3E}">
-        <p14:creationId xmlns:p14="http://schemas.microsoft.com/office/powerpoint/2010/main" xmlns="" val="3676799187"/>
+        <p14:creationId xmlns="" xmlns:p14="http://schemas.microsoft.com/office/powerpoint/2010/main" val="3676799187"/>
       </p:ext>
     </p:extLst>
   </p:cSld>
@@ -28831,7 +28959,7 @@
           <a:blip r:embed="rId2" cstate="print">
             <a:extLst>
               <a:ext uri="{28A0092B-C50C-407E-A947-70E740481C1C}">
-                <a14:useLocalDpi xmlns:a14="http://schemas.microsoft.com/office/drawing/2010/main" xmlns="" val="0"/>
+                <a14:useLocalDpi xmlns="" xmlns:a14="http://schemas.microsoft.com/office/drawing/2010/main" val="0"/>
               </a:ext>
             </a:extLst>
           </a:blip>
@@ -28891,7 +29019,7 @@
           <a:blip r:embed="rId3" cstate="print">
             <a:extLst>
               <a:ext uri="{28A0092B-C50C-407E-A947-70E740481C1C}">
-                <a14:useLocalDpi xmlns:a14="http://schemas.microsoft.com/office/drawing/2010/main" xmlns="" val="0"/>
+                <a14:useLocalDpi xmlns="" xmlns:a14="http://schemas.microsoft.com/office/drawing/2010/main" val="0"/>
               </a:ext>
             </a:extLst>
           </a:blip>
@@ -28921,7 +29049,7 @@
           <a:blip r:embed="rId4" cstate="print">
             <a:extLst>
               <a:ext uri="{28A0092B-C50C-407E-A947-70E740481C1C}">
-                <a14:useLocalDpi xmlns:a14="http://schemas.microsoft.com/office/drawing/2010/main" xmlns="" val="0"/>
+                <a14:useLocalDpi xmlns="" xmlns:a14="http://schemas.microsoft.com/office/drawing/2010/main" val="0"/>
               </a:ext>
             </a:extLst>
           </a:blip>
@@ -29068,7 +29196,7 @@
     </p:spTree>
     <p:extLst>
       <p:ext uri="{BB962C8B-B14F-4D97-AF65-F5344CB8AC3E}">
-        <p14:creationId xmlns:p14="http://schemas.microsoft.com/office/powerpoint/2010/main" xmlns="" val="1494901292"/>
+        <p14:creationId xmlns="" xmlns:p14="http://schemas.microsoft.com/office/powerpoint/2010/main" val="1494901292"/>
       </p:ext>
     </p:extLst>
   </p:cSld>
@@ -29310,7 +29438,7 @@
           <a:blip r:embed="rId3" cstate="print">
             <a:extLst>
               <a:ext uri="{28A0092B-C50C-407E-A947-70E740481C1C}">
-                <a14:useLocalDpi xmlns:a14="http://schemas.microsoft.com/office/drawing/2010/main" xmlns="" val="0"/>
+                <a14:useLocalDpi xmlns="" xmlns:a14="http://schemas.microsoft.com/office/drawing/2010/main" val="0"/>
               </a:ext>
             </a:extLst>
           </a:blip>
@@ -29391,7 +29519,7 @@
     </p:spTree>
     <p:extLst>
       <p:ext uri="{BB962C8B-B14F-4D97-AF65-F5344CB8AC3E}">
-        <p14:creationId xmlns:p14="http://schemas.microsoft.com/office/powerpoint/2010/main" xmlns="" val="2685881503"/>
+        <p14:creationId xmlns="" xmlns:p14="http://schemas.microsoft.com/office/powerpoint/2010/main" val="2685881503"/>
       </p:ext>
     </p:extLst>
   </p:cSld>
@@ -29815,17 +29943,8 @@
             </a:r>
             <a:r>
               <a:rPr lang="ru-RU" dirty="0" smtClean="0"/>
-              <a:t> как понравившуюся или </a:t>
+              <a:t> как понравившуюся или не понравившуюся</a:t>
             </a:r>
-            <a:r>
-              <a:rPr lang="ru-RU" dirty="0" smtClean="0"/>
-              <a:t>не </a:t>
-            </a:r>
-            <a:r>
-              <a:rPr lang="ru-RU" dirty="0" smtClean="0"/>
-              <a:t>понравившуюся</a:t>
-            </a:r>
-            <a:endParaRPr lang="ru-RU" dirty="0" smtClean="0"/>
           </a:p>
           <a:p>
             <a:r>
@@ -29836,8 +29955,9 @@
           <a:p>
             <a:r>
               <a:rPr lang="ru-RU" dirty="0" smtClean="0"/>
-              <a:t>Чат</a:t>
+              <a:t>Общий чат</a:t>
             </a:r>
+            <a:endParaRPr lang="ru-RU" dirty="0" smtClean="0"/>
           </a:p>
           <a:p>
             <a:r>
@@ -30053,7 +30173,7 @@
     </p:spTree>
     <p:extLst>
       <p:ext uri="{BB962C8B-B14F-4D97-AF65-F5344CB8AC3E}">
-        <p14:creationId xmlns:p14="http://schemas.microsoft.com/office/powerpoint/2010/main" xmlns="" val="4084138506"/>
+        <p14:creationId xmlns="" xmlns:p14="http://schemas.microsoft.com/office/powerpoint/2010/main" val="4084138506"/>
       </p:ext>
     </p:extLst>
   </p:cSld>
@@ -31011,8 +31131,8 @@
         </p:blipFill>
         <p:spPr bwMode="auto">
           <a:xfrm>
-            <a:off x="2152650" y="1533524"/>
-            <a:ext cx="7791450" cy="4766819"/>
+            <a:off x="2105307" y="1417320"/>
+            <a:ext cx="7981387" cy="4883023"/>
           </a:xfrm>
           <a:prstGeom prst="rect">
             <a:avLst/>
@@ -31288,7 +31408,7 @@
   <a:extraClrSchemeLst/>
   <a:extLst>
     <a:ext uri="{05A4C25C-085E-4340-85A3-A5531E510DB2}">
-      <thm15:themeFamily xmlns:thm15="http://schemas.microsoft.com/office/thememl/2012/main" xmlns="" name="Office Theme" id="{62F939B6-93AF-4DB8-9C6B-D6C7DFDC589F}" vid="{4A3C46E8-61CC-4603-A589-7422A47A8E4A}"/>
+      <thm15:themeFamily xmlns="" xmlns:thm15="http://schemas.microsoft.com/office/thememl/2012/main" name="Office Theme" id="{62F939B6-93AF-4DB8-9C6B-D6C7DFDC589F}" vid="{4A3C46E8-61CC-4603-A589-7422A47A8E4A}"/>
     </a:ext>
   </a:extLst>
 </a:theme>
